--- a/intro.pptx
+++ b/intro.pptx
@@ -481,7 +481,7 @@
           <a:p>
             <a:fld id="{CBEE18CB-D46C-9B40-9272-36674283D171}" type="datetimeFigureOut">
               <a:rPr lang="en-US" smtClean="0"/>
-              <a:t>6/17/16</a:t>
+              <a:t>8/11/16</a:t>
             </a:fld>
             <a:endParaRPr lang="en-US"/>
           </a:p>
@@ -661,7 +661,7 @@
           <a:p>
             <a:fld id="{CBEE18CB-D46C-9B40-9272-36674283D171}" type="datetimeFigureOut">
               <a:rPr lang="en-US" smtClean="0"/>
-              <a:t>6/17/16</a:t>
+              <a:t>8/11/16</a:t>
             </a:fld>
             <a:endParaRPr lang="en-US"/>
           </a:p>
@@ -831,7 +831,7 @@
           <a:p>
             <a:fld id="{CBEE18CB-D46C-9B40-9272-36674283D171}" type="datetimeFigureOut">
               <a:rPr lang="en-US" smtClean="0"/>
-              <a:t>6/17/16</a:t>
+              <a:t>8/11/16</a:t>
             </a:fld>
             <a:endParaRPr lang="en-US"/>
           </a:p>
@@ -1121,7 +1121,7 @@
           <a:p>
             <a:fld id="{CBEE18CB-D46C-9B40-9272-36674283D171}" type="datetimeFigureOut">
               <a:rPr lang="en-US" smtClean="0"/>
-              <a:t>6/17/16</a:t>
+              <a:t>8/11/16</a:t>
             </a:fld>
             <a:endParaRPr lang="en-US"/>
           </a:p>
@@ -1409,7 +1409,7 @@
           <a:p>
             <a:fld id="{CBEE18CB-D46C-9B40-9272-36674283D171}" type="datetimeFigureOut">
               <a:rPr lang="en-US" smtClean="0"/>
-              <a:t>6/17/16</a:t>
+              <a:t>8/11/16</a:t>
             </a:fld>
             <a:endParaRPr lang="en-US"/>
           </a:p>
@@ -1831,7 +1831,7 @@
           <a:p>
             <a:fld id="{CBEE18CB-D46C-9B40-9272-36674283D171}" type="datetimeFigureOut">
               <a:rPr lang="en-US" smtClean="0"/>
-              <a:t>6/17/16</a:t>
+              <a:t>8/11/16</a:t>
             </a:fld>
             <a:endParaRPr lang="en-US"/>
           </a:p>
@@ -1949,7 +1949,7 @@
           <a:p>
             <a:fld id="{CBEE18CB-D46C-9B40-9272-36674283D171}" type="datetimeFigureOut">
               <a:rPr lang="en-US" smtClean="0"/>
-              <a:t>6/17/16</a:t>
+              <a:t>8/11/16</a:t>
             </a:fld>
             <a:endParaRPr lang="en-US"/>
           </a:p>
@@ -2044,7 +2044,7 @@
           <a:p>
             <a:fld id="{CBEE18CB-D46C-9B40-9272-36674283D171}" type="datetimeFigureOut">
               <a:rPr lang="en-US" smtClean="0"/>
-              <a:t>6/17/16</a:t>
+              <a:t>8/11/16</a:t>
             </a:fld>
             <a:endParaRPr lang="en-US"/>
           </a:p>
@@ -2321,7 +2321,7 @@
           <a:p>
             <a:fld id="{CBEE18CB-D46C-9B40-9272-36674283D171}" type="datetimeFigureOut">
               <a:rPr lang="en-US" smtClean="0"/>
-              <a:t>6/17/16</a:t>
+              <a:t>8/11/16</a:t>
             </a:fld>
             <a:endParaRPr lang="en-US"/>
           </a:p>
@@ -2574,7 +2574,7 @@
           <a:p>
             <a:fld id="{CBEE18CB-D46C-9B40-9272-36674283D171}" type="datetimeFigureOut">
               <a:rPr lang="en-US" smtClean="0"/>
-              <a:t>6/17/16</a:t>
+              <a:t>8/11/16</a:t>
             </a:fld>
             <a:endParaRPr lang="en-US"/>
           </a:p>
@@ -2787,7 +2787,7 @@
           <a:p>
             <a:fld id="{CBEE18CB-D46C-9B40-9272-36674283D171}" type="datetimeFigureOut">
               <a:rPr lang="en-US" smtClean="0"/>
-              <a:t>6/17/16</a:t>
+              <a:t>8/11/16</a:t>
             </a:fld>
             <a:endParaRPr lang="en-US"/>
           </a:p>
@@ -6629,7 +6629,7 @@
         </p:blipFill>
         <p:spPr>
           <a:xfrm>
-            <a:off x="7795705" y="4178338"/>
+            <a:off x="7774104" y="4209739"/>
             <a:ext cx="1191213" cy="932254"/>
           </a:xfrm>
           <a:prstGeom prst="rect">
